--- a/Sprint 1 presentatie.pptx
+++ b/Sprint 1 presentatie.pptx
@@ -12842,7 +12842,7 @@
         </p:nvSpPr>
         <p:spPr>
           <a:xfrm>
-            <a:off x="1371600" y="685800"/>
+            <a:off x="1371600" y="781565"/>
             <a:ext cx="9601200" cy="1485900"/>
           </a:xfrm>
         </p:spPr>
